--- a/Ознакомительная/Презентация 1.pptx
+++ b/Ознакомительная/Презентация 1.pptx
@@ -20,6 +20,7 @@
     <p:sldId id="268" r:id="rId14"/>
     <p:sldId id="270" r:id="rId15"/>
     <p:sldId id="271" r:id="rId16"/>
+    <p:sldId id="272" r:id="rId17"/>
   </p:sldIdLst>
   <p:sldSz cx="12192000" cy="6858000"/>
   <p:notesSz cx="6858000" cy="9144000"/>
@@ -273,7 +274,7 @@
           <a:p>
             <a:fld id="{7D043E6A-80FB-4929-9FC1-C3DF55717560}" type="datetimeFigureOut">
               <a:rPr lang="ru-RU" smtClean="0"/>
-              <a:t>02.10.2023</a:t>
+              <a:t>03.10.2023</a:t>
             </a:fld>
             <a:endParaRPr lang="ru-RU"/>
           </a:p>
@@ -471,7 +472,7 @@
           <a:p>
             <a:fld id="{7D043E6A-80FB-4929-9FC1-C3DF55717560}" type="datetimeFigureOut">
               <a:rPr lang="ru-RU" smtClean="0"/>
-              <a:t>02.10.2023</a:t>
+              <a:t>03.10.2023</a:t>
             </a:fld>
             <a:endParaRPr lang="ru-RU"/>
           </a:p>
@@ -679,7 +680,7 @@
           <a:p>
             <a:fld id="{7D043E6A-80FB-4929-9FC1-C3DF55717560}" type="datetimeFigureOut">
               <a:rPr lang="ru-RU" smtClean="0"/>
-              <a:t>02.10.2023</a:t>
+              <a:t>03.10.2023</a:t>
             </a:fld>
             <a:endParaRPr lang="ru-RU"/>
           </a:p>
@@ -877,7 +878,7 @@
           <a:p>
             <a:fld id="{7D043E6A-80FB-4929-9FC1-C3DF55717560}" type="datetimeFigureOut">
               <a:rPr lang="ru-RU" smtClean="0"/>
-              <a:t>02.10.2023</a:t>
+              <a:t>03.10.2023</a:t>
             </a:fld>
             <a:endParaRPr lang="ru-RU"/>
           </a:p>
@@ -1152,7 +1153,7 @@
           <a:p>
             <a:fld id="{7D043E6A-80FB-4929-9FC1-C3DF55717560}" type="datetimeFigureOut">
               <a:rPr lang="ru-RU" smtClean="0"/>
-              <a:t>02.10.2023</a:t>
+              <a:t>03.10.2023</a:t>
             </a:fld>
             <a:endParaRPr lang="ru-RU"/>
           </a:p>
@@ -1417,7 +1418,7 @@
           <a:p>
             <a:fld id="{7D043E6A-80FB-4929-9FC1-C3DF55717560}" type="datetimeFigureOut">
               <a:rPr lang="ru-RU" smtClean="0"/>
-              <a:t>02.10.2023</a:t>
+              <a:t>03.10.2023</a:t>
             </a:fld>
             <a:endParaRPr lang="ru-RU"/>
           </a:p>
@@ -1829,7 +1830,7 @@
           <a:p>
             <a:fld id="{7D043E6A-80FB-4929-9FC1-C3DF55717560}" type="datetimeFigureOut">
               <a:rPr lang="ru-RU" smtClean="0"/>
-              <a:t>02.10.2023</a:t>
+              <a:t>03.10.2023</a:t>
             </a:fld>
             <a:endParaRPr lang="ru-RU"/>
           </a:p>
@@ -1970,7 +1971,7 @@
           <a:p>
             <a:fld id="{7D043E6A-80FB-4929-9FC1-C3DF55717560}" type="datetimeFigureOut">
               <a:rPr lang="ru-RU" smtClean="0"/>
-              <a:t>02.10.2023</a:t>
+              <a:t>03.10.2023</a:t>
             </a:fld>
             <a:endParaRPr lang="ru-RU"/>
           </a:p>
@@ -2083,7 +2084,7 @@
           <a:p>
             <a:fld id="{7D043E6A-80FB-4929-9FC1-C3DF55717560}" type="datetimeFigureOut">
               <a:rPr lang="ru-RU" smtClean="0"/>
-              <a:t>02.10.2023</a:t>
+              <a:t>03.10.2023</a:t>
             </a:fld>
             <a:endParaRPr lang="ru-RU"/>
           </a:p>
@@ -2394,7 +2395,7 @@
           <a:p>
             <a:fld id="{7D043E6A-80FB-4929-9FC1-C3DF55717560}" type="datetimeFigureOut">
               <a:rPr lang="ru-RU" smtClean="0"/>
-              <a:t>02.10.2023</a:t>
+              <a:t>03.10.2023</a:t>
             </a:fld>
             <a:endParaRPr lang="ru-RU"/>
           </a:p>
@@ -2682,7 +2683,7 @@
           <a:p>
             <a:fld id="{7D043E6A-80FB-4929-9FC1-C3DF55717560}" type="datetimeFigureOut">
               <a:rPr lang="ru-RU" smtClean="0"/>
-              <a:t>02.10.2023</a:t>
+              <a:t>03.10.2023</a:t>
             </a:fld>
             <a:endParaRPr lang="ru-RU"/>
           </a:p>
@@ -2923,7 +2924,7 @@
           <a:p>
             <a:fld id="{7D043E6A-80FB-4929-9FC1-C3DF55717560}" type="datetimeFigureOut">
               <a:rPr lang="ru-RU" smtClean="0"/>
-              <a:t>02.10.2023</a:t>
+              <a:t>03.10.2023</a:t>
             </a:fld>
             <a:endParaRPr lang="ru-RU"/>
           </a:p>
@@ -6792,6 +6793,66 @@
     <p:extLst>
       <p:ext uri="{BB962C8B-B14F-4D97-AF65-F5344CB8AC3E}">
         <p14:creationId xmlns:p14="http://schemas.microsoft.com/office/powerpoint/2010/main" val="4123818826"/>
+      </p:ext>
+    </p:extLst>
+  </p:cSld>
+  <p:clrMapOvr>
+    <a:masterClrMapping/>
+  </p:clrMapOvr>
+</p:sld>
+</file>
+
+<file path=ppt/slides/slide16.xml><?xml version="1.0" encoding="utf-8"?>
+<p:sld xmlns:a="http://schemas.openxmlformats.org/drawingml/2006/main" xmlns:r="http://schemas.openxmlformats.org/officeDocument/2006/relationships" xmlns:p="http://schemas.openxmlformats.org/presentationml/2006/main">
+  <p:cSld>
+    <p:spTree>
+      <p:nvGrpSpPr>
+        <p:cNvPr id="1" name=""/>
+        <p:cNvGrpSpPr/>
+        <p:nvPr/>
+      </p:nvGrpSpPr>
+      <p:grpSpPr>
+        <a:xfrm>
+          <a:off x="0" y="0"/>
+          <a:ext cx="0" cy="0"/>
+          <a:chOff x="0" y="0"/>
+          <a:chExt cx="0" cy="0"/>
+        </a:xfrm>
+      </p:grpSpPr>
+      <p:pic>
+        <p:nvPicPr>
+          <p:cNvPr id="4" name="Рисунок 3">
+            <a:extLst>
+              <a:ext uri="{FF2B5EF4-FFF2-40B4-BE49-F238E27FC236}">
+                <a16:creationId xmlns:a16="http://schemas.microsoft.com/office/drawing/2014/main" id="{07077E4E-7858-4019-91E3-921EE24EAF98}"/>
+              </a:ext>
+            </a:extLst>
+          </p:cNvPr>
+          <p:cNvPicPr>
+            <a:picLocks noChangeAspect="1"/>
+          </p:cNvPicPr>
+          <p:nvPr/>
+        </p:nvPicPr>
+        <p:blipFill>
+          <a:blip r:embed="rId2"/>
+          <a:stretch>
+            <a:fillRect/>
+          </a:stretch>
+        </p:blipFill>
+        <p:spPr>
+          <a:xfrm>
+            <a:off x="859320" y="0"/>
+            <a:ext cx="10473359" cy="6858000"/>
+          </a:xfrm>
+          <a:prstGeom prst="rect">
+            <a:avLst/>
+          </a:prstGeom>
+        </p:spPr>
+      </p:pic>
+    </p:spTree>
+    <p:extLst>
+      <p:ext uri="{BB962C8B-B14F-4D97-AF65-F5344CB8AC3E}">
+        <p14:creationId xmlns:p14="http://schemas.microsoft.com/office/powerpoint/2010/main" val="2192614143"/>
       </p:ext>
     </p:extLst>
   </p:cSld>
